--- a/ppts/show_receptacle_ppt.pptx
+++ b/ppts/show_receptacle_ppt.pptx
@@ -262,7 +262,7 @@
           <a:p>
             <a:fld id="{40EF5678-E145-43A7-9B36-CAFBF9DB6AAD}" type="datetimeFigureOut">
               <a:rPr lang="zh-CN" altLang="en-US" smtClean="0"/>
-              <a:t>2025/6/20</a:t>
+              <a:t>2025/6/25</a:t>
             </a:fld>
             <a:endParaRPr lang="zh-CN" altLang="en-US"/>
           </a:p>
@@ -460,7 +460,7 @@
           <a:p>
             <a:fld id="{40EF5678-E145-43A7-9B36-CAFBF9DB6AAD}" type="datetimeFigureOut">
               <a:rPr lang="zh-CN" altLang="en-US" smtClean="0"/>
-              <a:t>2025/6/20</a:t>
+              <a:t>2025/6/25</a:t>
             </a:fld>
             <a:endParaRPr lang="zh-CN" altLang="en-US"/>
           </a:p>
@@ -668,7 +668,7 @@
           <a:p>
             <a:fld id="{40EF5678-E145-43A7-9B36-CAFBF9DB6AAD}" type="datetimeFigureOut">
               <a:rPr lang="zh-CN" altLang="en-US" smtClean="0"/>
-              <a:t>2025/6/20</a:t>
+              <a:t>2025/6/25</a:t>
             </a:fld>
             <a:endParaRPr lang="zh-CN" altLang="en-US"/>
           </a:p>
@@ -866,7 +866,7 @@
           <a:p>
             <a:fld id="{40EF5678-E145-43A7-9B36-CAFBF9DB6AAD}" type="datetimeFigureOut">
               <a:rPr lang="zh-CN" altLang="en-US" smtClean="0"/>
-              <a:t>2025/6/20</a:t>
+              <a:t>2025/6/25</a:t>
             </a:fld>
             <a:endParaRPr lang="zh-CN" altLang="en-US"/>
           </a:p>
@@ -1141,7 +1141,7 @@
           <a:p>
             <a:fld id="{40EF5678-E145-43A7-9B36-CAFBF9DB6AAD}" type="datetimeFigureOut">
               <a:rPr lang="zh-CN" altLang="en-US" smtClean="0"/>
-              <a:t>2025/6/20</a:t>
+              <a:t>2025/6/25</a:t>
             </a:fld>
             <a:endParaRPr lang="zh-CN" altLang="en-US"/>
           </a:p>
@@ -1406,7 +1406,7 @@
           <a:p>
             <a:fld id="{40EF5678-E145-43A7-9B36-CAFBF9DB6AAD}" type="datetimeFigureOut">
               <a:rPr lang="zh-CN" altLang="en-US" smtClean="0"/>
-              <a:t>2025/6/20</a:t>
+              <a:t>2025/6/25</a:t>
             </a:fld>
             <a:endParaRPr lang="zh-CN" altLang="en-US"/>
           </a:p>
@@ -1818,7 +1818,7 @@
           <a:p>
             <a:fld id="{40EF5678-E145-43A7-9B36-CAFBF9DB6AAD}" type="datetimeFigureOut">
               <a:rPr lang="zh-CN" altLang="en-US" smtClean="0"/>
-              <a:t>2025/6/20</a:t>
+              <a:t>2025/6/25</a:t>
             </a:fld>
             <a:endParaRPr lang="zh-CN" altLang="en-US"/>
           </a:p>
@@ -1959,7 +1959,7 @@
           <a:p>
             <a:fld id="{40EF5678-E145-43A7-9B36-CAFBF9DB6AAD}" type="datetimeFigureOut">
               <a:rPr lang="zh-CN" altLang="en-US" smtClean="0"/>
-              <a:t>2025/6/20</a:t>
+              <a:t>2025/6/25</a:t>
             </a:fld>
             <a:endParaRPr lang="zh-CN" altLang="en-US"/>
           </a:p>
@@ -2072,7 +2072,7 @@
           <a:p>
             <a:fld id="{40EF5678-E145-43A7-9B36-CAFBF9DB6AAD}" type="datetimeFigureOut">
               <a:rPr lang="zh-CN" altLang="en-US" smtClean="0"/>
-              <a:t>2025/6/20</a:t>
+              <a:t>2025/6/25</a:t>
             </a:fld>
             <a:endParaRPr lang="zh-CN" altLang="en-US"/>
           </a:p>
@@ -2383,7 +2383,7 @@
           <a:p>
             <a:fld id="{40EF5678-E145-43A7-9B36-CAFBF9DB6AAD}" type="datetimeFigureOut">
               <a:rPr lang="zh-CN" altLang="en-US" smtClean="0"/>
-              <a:t>2025/6/20</a:t>
+              <a:t>2025/6/25</a:t>
             </a:fld>
             <a:endParaRPr lang="zh-CN" altLang="en-US"/>
           </a:p>
@@ -2671,7 +2671,7 @@
           <a:p>
             <a:fld id="{40EF5678-E145-43A7-9B36-CAFBF9DB6AAD}" type="datetimeFigureOut">
               <a:rPr lang="zh-CN" altLang="en-US" smtClean="0"/>
-              <a:t>2025/6/20</a:t>
+              <a:t>2025/6/25</a:t>
             </a:fld>
             <a:endParaRPr lang="zh-CN" altLang="en-US"/>
           </a:p>
@@ -2912,7 +2912,7 @@
           <a:p>
             <a:fld id="{40EF5678-E145-43A7-9B36-CAFBF9DB6AAD}" type="datetimeFigureOut">
               <a:rPr lang="zh-CN" altLang="en-US" smtClean="0"/>
-              <a:t>2025/6/20</a:t>
+              <a:t>2025/6/25</a:t>
             </a:fld>
             <a:endParaRPr lang="zh-CN" altLang="en-US"/>
           </a:p>
